--- a/Ventilator/Ventilator.pptx
+++ b/Ventilator/Ventilator.pptx
@@ -5,12 +5,11 @@
     <p:sldMasterId id="2147483660" r:id="rId1"/>
   </p:sldMasterIdLst>
   <p:notesMasterIdLst>
-    <p:notesMasterId r:id="rId5"/>
+    <p:notesMasterId r:id="rId4"/>
   </p:notesMasterIdLst>
   <p:sldIdLst>
     <p:sldId id="267" r:id="rId2"/>
-    <p:sldId id="279" r:id="rId3"/>
-    <p:sldId id="280" r:id="rId4"/>
+    <p:sldId id="280" r:id="rId3"/>
   </p:sldIdLst>
   <p:sldSz cx="6858000" cy="9906000" type="A4"/>
   <p:notesSz cx="6858000" cy="9144000"/>
@@ -202,7 +201,7 @@
           <a:p>
             <a:fld id="{DD7A25D8-F173-4133-85F8-CB962D678EB5}" type="datetimeFigureOut">
               <a:rPr lang="de-DE" smtClean="0"/>
-              <a:t>07.01.2019</a:t>
+              <a:t>09.01.2019</a:t>
             </a:fld>
             <a:endParaRPr lang="de-DE"/>
           </a:p>
@@ -601,7 +600,7 @@
           <a:p>
             <a:fld id="{FC9269F9-6F79-4414-A84E-D81C6C443C37}" type="datetimeFigureOut">
               <a:rPr lang="de-DE" smtClean="0"/>
-              <a:t>07.01.2019</a:t>
+              <a:t>09.01.2019</a:t>
             </a:fld>
             <a:endParaRPr lang="de-DE"/>
           </a:p>
@@ -1704,7 +1703,7 @@
           <a:p>
             <a:fld id="{FC9269F9-6F79-4414-A84E-D81C6C443C37}" type="datetimeFigureOut">
               <a:rPr lang="de-DE" smtClean="0"/>
-              <a:t>07.01.2019</a:t>
+              <a:t>09.01.2019</a:t>
             </a:fld>
             <a:endParaRPr lang="de-DE"/>
           </a:p>
@@ -2159,7 +2158,7 @@
           <a:p>
             <a:fld id="{FC9269F9-6F79-4414-A84E-D81C6C443C37}" type="datetimeFigureOut">
               <a:rPr lang="de-DE" smtClean="0"/>
-              <a:t>07.01.2019</a:t>
+              <a:t>09.01.2019</a:t>
             </a:fld>
             <a:endParaRPr lang="de-DE"/>
           </a:p>
@@ -2959,7 +2958,7 @@
           <a:p>
             <a:fld id="{FC9269F9-6F79-4414-A84E-D81C6C443C37}" type="datetimeFigureOut">
               <a:rPr lang="de-DE" smtClean="0"/>
-              <a:t>07.01.2019</a:t>
+              <a:t>09.01.2019</a:t>
             </a:fld>
             <a:endParaRPr lang="de-DE"/>
           </a:p>
@@ -3191,7 +3190,7 @@
           <a:p>
             <a:fld id="{FC9269F9-6F79-4414-A84E-D81C6C443C37}" type="datetimeFigureOut">
               <a:rPr lang="de-DE" smtClean="0"/>
-              <a:t>07.01.2019</a:t>
+              <a:t>09.01.2019</a:t>
             </a:fld>
             <a:endParaRPr lang="de-DE"/>
           </a:p>
@@ -3411,7 +3410,7 @@
           <a:p>
             <a:fld id="{FC9269F9-6F79-4414-A84E-D81C6C443C37}" type="datetimeFigureOut">
               <a:rPr lang="de-DE" smtClean="0"/>
-              <a:t>07.01.2019</a:t>
+              <a:t>09.01.2019</a:t>
             </a:fld>
             <a:endParaRPr lang="de-DE"/>
           </a:p>
@@ -4000,269 +3999,6 @@
 </file>
 
 <file path=ppt/slides/slide2.xml><?xml version="1.0" encoding="utf-8"?>
-<p:sld xmlns:a="http://schemas.openxmlformats.org/drawingml/2006/main" xmlns:r="http://schemas.openxmlformats.org/officeDocument/2006/relationships" xmlns:p="http://schemas.openxmlformats.org/presentationml/2006/main">
-  <p:cSld>
-    <p:spTree>
-      <p:nvGrpSpPr>
-        <p:cNvPr id="1" name=""/>
-        <p:cNvGrpSpPr/>
-        <p:nvPr/>
-      </p:nvGrpSpPr>
-      <p:grpSpPr>
-        <a:xfrm>
-          <a:off x="0" y="0"/>
-          <a:ext cx="0" cy="0"/>
-          <a:chOff x="0" y="0"/>
-          <a:chExt cx="0" cy="0"/>
-        </a:xfrm>
-      </p:grpSpPr>
-      <p:sp>
-        <p:nvSpPr>
-          <p:cNvPr id="7" name="Titel 6"/>
-          <p:cNvSpPr>
-            <a:spLocks noGrp="1"/>
-          </p:cNvSpPr>
-          <p:nvPr>
-            <p:ph type="title"/>
-          </p:nvPr>
-        </p:nvSpPr>
-        <p:spPr/>
-        <p:txBody>
-          <a:bodyPr/>
-          <a:lstStyle/>
-          <a:p>
-            <a:r>
-              <a:rPr lang="de-DE" dirty="0"/>
-              <a:t>Ventilator</a:t>
-            </a:r>
-          </a:p>
-        </p:txBody>
-      </p:sp>
-      <p:sp>
-        <p:nvSpPr>
-          <p:cNvPr id="9" name="Inhaltsplatzhalter 8"/>
-          <p:cNvSpPr>
-            <a:spLocks noGrp="1"/>
-          </p:cNvSpPr>
-          <p:nvPr>
-            <p:ph sz="quarter" idx="14"/>
-          </p:nvPr>
-        </p:nvSpPr>
-        <p:spPr>
-          <a:xfrm>
-            <a:off x="471488" y="4768970"/>
-            <a:ext cx="5915025" cy="2657444"/>
-          </a:xfrm>
-        </p:spPr>
-        <p:txBody>
-          <a:bodyPr/>
-          <a:lstStyle/>
-          <a:p>
-            <a:pPr marL="0" indent="0">
-              <a:buNone/>
-            </a:pPr>
-            <a:r>
-              <a:rPr lang="de-DE" b="1" dirty="0" smtClean="0"/>
-              <a:t>Hinweis</a:t>
-            </a:r>
-          </a:p>
-          <a:p>
-            <a:r>
-              <a:rPr lang="de-DE" dirty="0"/>
-              <a:t>Die Geschwindigkeit der Motoren kann nur in Prozent angegeben werden. Abhängig von der Maximalgeschwindigkeit und der Spannungsversorgung. </a:t>
-            </a:r>
-            <a:r>
-              <a:rPr lang="de-DE" b="1" dirty="0"/>
-              <a:t>Somit sind Geschwindigkeiten über 100 und unter 0 nicht möglich</a:t>
-            </a:r>
-            <a:r>
-              <a:rPr lang="de-DE" dirty="0" smtClean="0"/>
-              <a:t>.</a:t>
-            </a:r>
-          </a:p>
-          <a:p>
-            <a:r>
-              <a:rPr lang="de-DE" dirty="0" smtClean="0"/>
-              <a:t>Wenn du mit einem PC-Lüfter arbeitest der an einer Spannungsversorgung angeschlossen ist, dann funktioniert die Motorensteuerung genau umgekehrt. Bei 100 ist die Leistung am geringsten und bei 0 am höchsten</a:t>
-            </a:r>
-            <a:r>
-              <a:rPr lang="de-DE" dirty="0" smtClean="0"/>
-              <a:t>.</a:t>
-            </a:r>
-          </a:p>
-          <a:p>
-            <a:endParaRPr lang="de-DE" dirty="0"/>
-          </a:p>
-          <a:p>
-            <a:pPr marL="0" indent="0">
-              <a:buNone/>
-            </a:pPr>
-            <a:r>
-              <a:rPr lang="de-DE" b="1" dirty="0" smtClean="0"/>
-              <a:t>Alternativer Code mit Verteile</a:t>
-            </a:r>
-            <a:endParaRPr lang="de-DE" b="1" dirty="0"/>
-          </a:p>
-        </p:txBody>
-      </p:sp>
-      <p:pic>
-        <p:nvPicPr>
-          <p:cNvPr id="12" name="Grafik 11"/>
-          <p:cNvPicPr/>
-          <p:nvPr/>
-        </p:nvPicPr>
-        <p:blipFill>
-          <a:blip r:embed="rId2">
-            <a:extLst>
-              <a:ext uri="{28A0092B-C50C-407E-A947-70E740481C1C}">
-                <a14:useLocalDpi xmlns:a14="http://schemas.microsoft.com/office/drawing/2010/main" val="0"/>
-              </a:ext>
-            </a:extLst>
-          </a:blip>
-          <a:stretch>
-            <a:fillRect/>
-          </a:stretch>
-        </p:blipFill>
-        <p:spPr>
-          <a:xfrm>
-            <a:off x="467999" y="2325510"/>
-            <a:ext cx="1733550" cy="274320"/>
-          </a:xfrm>
-          <a:prstGeom prst="rect">
-            <a:avLst/>
-          </a:prstGeom>
-        </p:spPr>
-      </p:pic>
-      <p:pic>
-        <p:nvPicPr>
-          <p:cNvPr id="13" name="Grafik 12"/>
-          <p:cNvPicPr/>
-          <p:nvPr/>
-        </p:nvPicPr>
-        <p:blipFill>
-          <a:blip r:embed="rId3">
-            <a:extLst>
-              <a:ext uri="{28A0092B-C50C-407E-A947-70E740481C1C}">
-                <a14:useLocalDpi xmlns:a14="http://schemas.microsoft.com/office/drawing/2010/main" val="0"/>
-              </a:ext>
-            </a:extLst>
-          </a:blip>
-          <a:stretch>
-            <a:fillRect/>
-          </a:stretch>
-        </p:blipFill>
-        <p:spPr>
-          <a:xfrm>
-            <a:off x="2280548" y="2326145"/>
-            <a:ext cx="1724025" cy="273050"/>
-          </a:xfrm>
-          <a:prstGeom prst="rect">
-            <a:avLst/>
-          </a:prstGeom>
-        </p:spPr>
-      </p:pic>
-      <p:pic>
-        <p:nvPicPr>
-          <p:cNvPr id="14" name="Grafik 13"/>
-          <p:cNvPicPr/>
-          <p:nvPr/>
-        </p:nvPicPr>
-        <p:blipFill>
-          <a:blip r:embed="rId4">
-            <a:extLst>
-              <a:ext uri="{28A0092B-C50C-407E-A947-70E740481C1C}">
-                <a14:useLocalDpi xmlns:a14="http://schemas.microsoft.com/office/drawing/2010/main" val="0"/>
-              </a:ext>
-            </a:extLst>
-          </a:blip>
-          <a:stretch>
-            <a:fillRect/>
-          </a:stretch>
-        </p:blipFill>
-        <p:spPr>
-          <a:xfrm>
-            <a:off x="4083572" y="2324875"/>
-            <a:ext cx="1737995" cy="275590"/>
-          </a:xfrm>
-          <a:prstGeom prst="rect">
-            <a:avLst/>
-          </a:prstGeom>
-        </p:spPr>
-      </p:pic>
-      <p:pic>
-        <p:nvPicPr>
-          <p:cNvPr id="6" name="Grafik 5"/>
-          <p:cNvPicPr>
-            <a:picLocks noChangeAspect="1"/>
-          </p:cNvPicPr>
-          <p:nvPr/>
-        </p:nvPicPr>
-        <p:blipFill>
-          <a:blip r:embed="rId5" cstate="print">
-            <a:extLst>
-              <a:ext uri="{28A0092B-C50C-407E-A947-70E740481C1C}">
-                <a14:useLocalDpi xmlns:a14="http://schemas.microsoft.com/office/drawing/2010/main" val="0"/>
-              </a:ext>
-            </a:extLst>
-          </a:blip>
-          <a:stretch>
-            <a:fillRect/>
-          </a:stretch>
-        </p:blipFill>
-        <p:spPr>
-          <a:xfrm>
-            <a:off x="467997" y="4004971"/>
-            <a:ext cx="4007791" cy="762729"/>
-          </a:xfrm>
-          <a:prstGeom prst="rect">
-            <a:avLst/>
-          </a:prstGeom>
-        </p:spPr>
-      </p:pic>
-      <p:pic>
-        <p:nvPicPr>
-          <p:cNvPr id="8" name="Grafik 7"/>
-          <p:cNvPicPr>
-            <a:picLocks noChangeAspect="1"/>
-          </p:cNvPicPr>
-          <p:nvPr/>
-        </p:nvPicPr>
-        <p:blipFill>
-          <a:blip r:embed="rId6">
-            <a:extLst>
-              <a:ext uri="{28A0092B-C50C-407E-A947-70E740481C1C}">
-                <a14:useLocalDpi xmlns:a14="http://schemas.microsoft.com/office/drawing/2010/main" val="0"/>
-              </a:ext>
-            </a:extLst>
-          </a:blip>
-          <a:stretch>
-            <a:fillRect/>
-          </a:stretch>
-        </p:blipFill>
-        <p:spPr>
-          <a:xfrm>
-            <a:off x="467998" y="7249100"/>
-            <a:ext cx="2994756" cy="1192660"/>
-          </a:xfrm>
-          <a:prstGeom prst="rect">
-            <a:avLst/>
-          </a:prstGeom>
-        </p:spPr>
-      </p:pic>
-    </p:spTree>
-    <p:extLst>
-      <p:ext uri="{BB962C8B-B14F-4D97-AF65-F5344CB8AC3E}">
-        <p14:creationId xmlns:p14="http://schemas.microsoft.com/office/powerpoint/2010/main" val="2997317521"/>
-      </p:ext>
-    </p:extLst>
-  </p:cSld>
-  <p:clrMapOvr>
-    <a:masterClrMapping/>
-  </p:clrMapOvr>
-</p:sld>
-</file>
-
-<file path=ppt/slides/slide3.xml><?xml version="1.0" encoding="utf-8"?>
 <p:sld xmlns:a="http://schemas.openxmlformats.org/drawingml/2006/main" xmlns:r="http://schemas.openxmlformats.org/officeDocument/2006/relationships" xmlns:p="http://schemas.openxmlformats.org/presentationml/2006/main">
   <p:cSld>
     <p:spTree>

--- a/Ventilator/Ventilator.pptx
+++ b/Ventilator/Ventilator.pptx
@@ -201,7 +201,7 @@
           <a:p>
             <a:fld id="{DD7A25D8-F173-4133-85F8-CB962D678EB5}" type="datetimeFigureOut">
               <a:rPr lang="de-DE" smtClean="0"/>
-              <a:t>09.01.2019</a:t>
+              <a:t>06.12.2019</a:t>
             </a:fld>
             <a:endParaRPr lang="de-DE"/>
           </a:p>
@@ -265,38 +265,37 @@
           <a:p>
             <a:pPr lvl="0"/>
             <a:r>
-              <a:rPr lang="de-DE" smtClean="0"/>
+              <a:rPr lang="de-DE"/>
               <a:t>Formatvorlagen des Textmasters bearbeiten</a:t>
             </a:r>
           </a:p>
           <a:p>
             <a:pPr lvl="1"/>
             <a:r>
-              <a:rPr lang="de-DE" smtClean="0"/>
+              <a:rPr lang="de-DE"/>
               <a:t>Zweite Ebene</a:t>
             </a:r>
           </a:p>
           <a:p>
             <a:pPr lvl="2"/>
             <a:r>
-              <a:rPr lang="de-DE" smtClean="0"/>
+              <a:rPr lang="de-DE"/>
               <a:t>Dritte Ebene</a:t>
             </a:r>
           </a:p>
           <a:p>
             <a:pPr lvl="3"/>
             <a:r>
-              <a:rPr lang="de-DE" smtClean="0"/>
+              <a:rPr lang="de-DE"/>
               <a:t>Vierte Ebene</a:t>
             </a:r>
           </a:p>
           <a:p>
             <a:pPr lvl="4"/>
             <a:r>
-              <a:rPr lang="de-DE" smtClean="0"/>
+              <a:rPr lang="de-DE"/>
               <a:t>Fünfte Ebene</a:t>
             </a:r>
-            <a:endParaRPr lang="de-DE"/>
           </a:p>
         </p:txBody>
       </p:sp>
@@ -511,7 +510,7 @@
           </a:lstStyle>
           <a:p>
             <a:r>
-              <a:rPr lang="de-DE" smtClean="0"/>
+              <a:rPr lang="de-DE"/>
               <a:t>Titelmasterformat durch Klicken bearbeiten</a:t>
             </a:r>
             <a:endParaRPr lang="en-US" dirty="0"/>
@@ -576,7 +575,7 @@
           </a:lstStyle>
           <a:p>
             <a:r>
-              <a:rPr lang="de-DE" smtClean="0"/>
+              <a:rPr lang="de-DE"/>
               <a:t>Formatvorlage des Untertitelmasters durch Klicken bearbeiten</a:t>
             </a:r>
             <a:endParaRPr lang="en-US" dirty="0"/>
@@ -600,7 +599,7 @@
           <a:p>
             <a:fld id="{FC9269F9-6F79-4414-A84E-D81C6C443C37}" type="datetimeFigureOut">
               <a:rPr lang="de-DE" smtClean="0"/>
-              <a:t>09.01.2019</a:t>
+              <a:t>06.12.2019</a:t>
             </a:fld>
             <a:endParaRPr lang="de-DE"/>
           </a:p>
@@ -658,13 +657,6 @@
   <p:clrMapOvr>
     <a:masterClrMapping/>
   </p:clrMapOvr>
-  <p:timing>
-    <p:tnLst>
-      <p:par>
-        <p:cTn id="1" dur="indefinite" restart="never" nodeType="tmRoot"/>
-      </p:par>
-    </p:tnLst>
-  </p:timing>
 </p:sldLayout>
 </file>
 
@@ -807,7 +799,7 @@
           </a:lstStyle>
           <a:p>
             <a:r>
-              <a:rPr lang="de-DE" dirty="0" smtClean="0"/>
+              <a:rPr lang="de-DE" dirty="0"/>
               <a:t>Titelmasterformat durch Klicken bearbeiten</a:t>
             </a:r>
             <a:endParaRPr lang="en-US" dirty="0"/>
@@ -1021,10 +1013,9 @@
           <a:p>
             <a:pPr lvl="0"/>
             <a:r>
-              <a:rPr lang="de-DE" dirty="0" smtClean="0"/>
+              <a:rPr lang="de-DE" dirty="0"/>
               <a:t>Aufgabentext</a:t>
             </a:r>
-            <a:endParaRPr lang="de-DE" dirty="0"/>
           </a:p>
         </p:txBody>
       </p:sp>
@@ -1051,10 +1042,9 @@
           <a:lstStyle/>
           <a:p>
             <a:r>
-              <a:rPr lang="de-DE" b="1" dirty="0" smtClean="0"/>
+              <a:rPr lang="de-DE" b="1" dirty="0"/>
               <a:t>Challenge</a:t>
             </a:r>
-            <a:endParaRPr lang="de-DE" b="1" dirty="0"/>
           </a:p>
         </p:txBody>
       </p:sp>
@@ -1091,10 +1081,9 @@
           <a:p>
             <a:pPr lvl="0"/>
             <a:r>
-              <a:rPr lang="de-DE" dirty="0" smtClean="0"/>
+              <a:rPr lang="de-DE" dirty="0"/>
               <a:t>Schwierigkeitsgrad</a:t>
             </a:r>
-            <a:endParaRPr lang="de-DE" dirty="0"/>
           </a:p>
         </p:txBody>
       </p:sp>
@@ -1131,7 +1120,7 @@
           <a:p>
             <a:pPr lvl="0"/>
             <a:r>
-              <a:rPr lang="de-DE" sz="3200" dirty="0" smtClean="0"/>
+              <a:rPr lang="de-DE" sz="3200" dirty="0"/>
               <a:t>N</a:t>
             </a:r>
             <a:endParaRPr lang="de-DE" dirty="0"/>
@@ -1249,6 +1238,42 @@
           </a:prstGeom>
         </p:spPr>
       </p:pic>
+      <p:pic>
+        <p:nvPicPr>
+          <p:cNvPr id="27" name="Grafik 26">
+            <a:extLst>
+              <a:ext uri="{FF2B5EF4-FFF2-40B4-BE49-F238E27FC236}">
+                <a16:creationId xmlns:a16="http://schemas.microsoft.com/office/drawing/2014/main" id="{C87B20D4-40F0-48A4-834C-FF3B4CF022A9}"/>
+              </a:ext>
+            </a:extLst>
+          </p:cNvPr>
+          <p:cNvPicPr>
+            <a:picLocks noChangeAspect="1"/>
+          </p:cNvPicPr>
+          <p:nvPr userDrawn="1"/>
+        </p:nvPicPr>
+        <p:blipFill>
+          <a:blip r:embed="rId4" cstate="print">
+            <a:extLst>
+              <a:ext uri="{28A0092B-C50C-407E-A947-70E740481C1C}">
+                <a14:useLocalDpi xmlns:a14="http://schemas.microsoft.com/office/drawing/2010/main" val="0"/>
+              </a:ext>
+            </a:extLst>
+          </a:blip>
+          <a:stretch>
+            <a:fillRect/>
+          </a:stretch>
+        </p:blipFill>
+        <p:spPr>
+          <a:xfrm>
+            <a:off x="2074069" y="9099550"/>
+            <a:ext cx="381000" cy="571500"/>
+          </a:xfrm>
+          <a:prstGeom prst="rect">
+            <a:avLst/>
+          </a:prstGeom>
+        </p:spPr>
+      </p:pic>
     </p:spTree>
     <p:extLst>
       <p:ext uri="{BB962C8B-B14F-4D97-AF65-F5344CB8AC3E}">
@@ -1259,13 +1284,6 @@
   <p:clrMapOvr>
     <a:masterClrMapping/>
   </p:clrMapOvr>
-  <p:timing>
-    <p:tnLst>
-      <p:par>
-        <p:cTn id="1" dur="indefinite" restart="never" nodeType="tmRoot"/>
-      </p:par>
-    </p:tnLst>
-  </p:timing>
 </p:sldLayout>
 </file>
 
@@ -1408,7 +1426,7 @@
           </a:lstStyle>
           <a:p>
             <a:r>
-              <a:rPr lang="de-DE" dirty="0" smtClean="0"/>
+              <a:rPr lang="de-DE" dirty="0"/>
               <a:t>Titelmasterformat durch Klicken bearbeiten</a:t>
             </a:r>
             <a:endParaRPr lang="en-US" dirty="0"/>
@@ -1623,13 +1641,6 @@
   <p:clrMapOvr>
     <a:masterClrMapping/>
   </p:clrMapOvr>
-  <p:timing>
-    <p:tnLst>
-      <p:par>
-        <p:cTn id="1" dur="indefinite" restart="never" nodeType="tmRoot"/>
-      </p:par>
-    </p:tnLst>
-  </p:timing>
 </p:sldLayout>
 </file>
 
@@ -1679,10 +1690,9 @@
           </a:lstStyle>
           <a:p>
             <a:r>
-              <a:rPr lang="de-DE" dirty="0" smtClean="0"/>
+              <a:rPr lang="de-DE" dirty="0"/>
               <a:t>Aufgabe</a:t>
             </a:r>
-            <a:endParaRPr lang="de-DE" dirty="0"/>
           </a:p>
         </p:txBody>
       </p:sp>
@@ -1703,7 +1713,7 @@
           <a:p>
             <a:fld id="{FC9269F9-6F79-4414-A84E-D81C6C443C37}" type="datetimeFigureOut">
               <a:rPr lang="de-DE" smtClean="0"/>
-              <a:t>09.01.2019</a:t>
+              <a:t>06.12.2019</a:t>
             </a:fld>
             <a:endParaRPr lang="de-DE"/>
           </a:p>
@@ -1755,14 +1765,11 @@
           <a:lstStyle/>
           <a:p>
             <a:r>
-              <a:rPr lang="de-DE" sz="3600" b="1" dirty="0" smtClean="0">
+              <a:rPr lang="de-DE" sz="3600" b="1" dirty="0">
                 <a:latin typeface="+mn-lt"/>
               </a:rPr>
               <a:t>Lösung</a:t>
             </a:r>
-            <a:endParaRPr lang="de-DE" sz="3600" b="1" dirty="0">
-              <a:latin typeface="+mn-lt"/>
-            </a:endParaRPr>
           </a:p>
         </p:txBody>
       </p:sp>
@@ -1825,10 +1832,9 @@
           <a:lstStyle/>
           <a:p>
             <a:r>
-              <a:rPr lang="de-DE" sz="1200" dirty="0" smtClean="0"/>
+              <a:rPr lang="de-DE" sz="1200" dirty="0"/>
               <a:t>Verwendete Befehlsgruppen</a:t>
             </a:r>
-            <a:endParaRPr lang="de-DE" sz="1200" dirty="0"/>
           </a:p>
         </p:txBody>
       </p:sp>
@@ -1915,10 +1921,9 @@
           <a:lstStyle/>
           <a:p>
             <a:r>
-              <a:rPr lang="de-DE" sz="1600" b="1" dirty="0" smtClean="0"/>
+              <a:rPr lang="de-DE" sz="1600" b="1" dirty="0"/>
               <a:t>Code</a:t>
             </a:r>
-            <a:endParaRPr lang="de-DE" sz="1600" b="1" dirty="0"/>
           </a:p>
         </p:txBody>
       </p:sp>
@@ -1954,38 +1959,37 @@
           <a:p>
             <a:pPr lvl="0"/>
             <a:r>
-              <a:rPr lang="de-DE" dirty="0" smtClean="0"/>
+              <a:rPr lang="de-DE" dirty="0"/>
               <a:t>Formatvorlagen des Textmasters bearbeiten</a:t>
             </a:r>
           </a:p>
           <a:p>
             <a:pPr lvl="1"/>
             <a:r>
-              <a:rPr lang="de-DE" dirty="0" smtClean="0"/>
+              <a:rPr lang="de-DE" dirty="0"/>
               <a:t>Zweite Ebene</a:t>
             </a:r>
           </a:p>
           <a:p>
             <a:pPr lvl="2"/>
             <a:r>
-              <a:rPr lang="de-DE" dirty="0" smtClean="0"/>
+              <a:rPr lang="de-DE" dirty="0"/>
               <a:t>Dritte Ebene</a:t>
             </a:r>
           </a:p>
           <a:p>
             <a:pPr lvl="3"/>
             <a:r>
-              <a:rPr lang="de-DE" dirty="0" smtClean="0"/>
+              <a:rPr lang="de-DE" dirty="0"/>
               <a:t>Vierte Ebene</a:t>
             </a:r>
           </a:p>
           <a:p>
             <a:pPr lvl="4"/>
             <a:r>
-              <a:rPr lang="de-DE" dirty="0" smtClean="0"/>
+              <a:rPr lang="de-DE" dirty="0"/>
               <a:t>Fünfte Ebene</a:t>
             </a:r>
-            <a:endParaRPr lang="de-DE" dirty="0"/>
           </a:p>
         </p:txBody>
       </p:sp>
@@ -2061,12 +2065,12 @@
           <a:p>
             <a:pPr algn="ctr"/>
             <a:r>
-              <a:rPr lang="de-DE" sz="1100" dirty="0" smtClean="0">
+              <a:rPr lang="de-DE" sz="1100" dirty="0">
                 <a:hlinkClick r:id="rId2"/>
               </a:rPr>
               <a:t>https://www.htw-dresden.de/kiss-mint</a:t>
             </a:r>
-            <a:endParaRPr lang="de-DE" sz="1100" dirty="0" smtClean="0"/>
+            <a:endParaRPr lang="de-DE" sz="1100" dirty="0"/>
           </a:p>
         </p:txBody>
       </p:sp>
@@ -2080,13 +2084,6 @@
   <p:clrMapOvr>
     <a:masterClrMapping/>
   </p:clrMapOvr>
-  <p:timing>
-    <p:tnLst>
-      <p:par>
-        <p:cTn id="1" dur="indefinite" restart="never" nodeType="tmRoot"/>
-      </p:par>
-    </p:tnLst>
-  </p:timing>
 </p:sldLayout>
 </file>
 
@@ -2134,10 +2131,9 @@
           </a:lstStyle>
           <a:p>
             <a:r>
-              <a:rPr lang="de-DE" dirty="0" smtClean="0"/>
+              <a:rPr lang="de-DE" dirty="0"/>
               <a:t>Titelmasterformat durch Klicken bearbeiten</a:t>
             </a:r>
-            <a:endParaRPr lang="de-DE" dirty="0"/>
           </a:p>
         </p:txBody>
       </p:sp>
@@ -2158,7 +2154,7 @@
           <a:p>
             <a:fld id="{FC9269F9-6F79-4414-A84E-D81C6C443C37}" type="datetimeFigureOut">
               <a:rPr lang="de-DE" smtClean="0"/>
-              <a:t>09.01.2019</a:t>
+              <a:t>06.12.2019</a:t>
             </a:fld>
             <a:endParaRPr lang="de-DE"/>
           </a:p>
@@ -2235,7 +2231,7 @@
           <a:p>
             <a:pPr lvl="0"/>
             <a:r>
-              <a:rPr lang="de-DE" b="1" dirty="0" smtClean="0"/>
+              <a:rPr lang="de-DE" b="1" dirty="0"/>
               <a:t>Rubrik</a:t>
             </a:r>
             <a:endParaRPr lang="de-DE" dirty="0"/>
@@ -2290,10 +2286,9 @@
           <a:p>
             <a:pPr lvl="0"/>
             <a:r>
-              <a:rPr lang="de-DE" dirty="0" smtClean="0"/>
+              <a:rPr lang="de-DE" dirty="0"/>
               <a:t>Formatvorlagen des Textmasters bearbeiten</a:t>
             </a:r>
-            <a:endParaRPr lang="de-DE" dirty="0"/>
           </a:p>
         </p:txBody>
       </p:sp>
@@ -2307,13 +2302,6 @@
   <p:clrMapOvr>
     <a:masterClrMapping/>
   </p:clrMapOvr>
-  <p:timing>
-    <p:tnLst>
-      <p:par>
-        <p:cTn id="1" dur="indefinite" restart="never" nodeType="tmRoot"/>
-      </p:par>
-    </p:tnLst>
-  </p:timing>
 </p:sldLayout>
 </file>
 
@@ -2601,34 +2589,34 @@
           <a:p>
             <a:pPr algn="ctr"/>
             <a:r>
-              <a:rPr lang="de-DE" b="1" dirty="0" smtClean="0"/>
+              <a:rPr lang="de-DE" b="1" dirty="0"/>
               <a:t>Veröffentlicht</a:t>
             </a:r>
             <a:r>
-              <a:rPr lang="de-DE" b="1" baseline="0" dirty="0" smtClean="0"/>
+              <a:rPr lang="de-DE" b="1" baseline="0" dirty="0"/>
               <a:t> unter CC BY SA</a:t>
             </a:r>
           </a:p>
           <a:p>
             <a:pPr algn="ctr"/>
-            <a:endParaRPr lang="de-DE" b="0" baseline="0" dirty="0" smtClean="0"/>
+            <a:endParaRPr lang="de-DE" b="0" baseline="0" dirty="0"/>
           </a:p>
           <a:p>
             <a:pPr algn="ctr"/>
             <a:r>
-              <a:rPr lang="de-DE" b="0" dirty="0" smtClean="0"/>
+              <a:rPr lang="de-DE" b="0" dirty="0"/>
               <a:t>Dieses Werk ist unter einer Creative </a:t>
             </a:r>
             <a:r>
-              <a:rPr lang="de-DE" b="0" dirty="0" err="1" smtClean="0"/>
+              <a:rPr lang="de-DE" b="0" dirty="0" err="1"/>
               <a:t>Commons</a:t>
             </a:r>
             <a:r>
-              <a:rPr lang="de-DE" b="0" dirty="0" smtClean="0"/>
+              <a:rPr lang="de-DE" b="0" dirty="0"/>
               <a:t> Lizenz vom Typ Namensnennung - Weitergabe unter gleichen Bedingungen 4.0 International zugänglich. Um eine Kopie dieser Lizenz einzusehen, konsultieren </a:t>
             </a:r>
             <a:r>
-              <a:rPr lang="de-DE" b="0" dirty="0" smtClean="0">
+              <a:rPr lang="de-DE" b="0" dirty="0">
                 <a:solidFill>
                   <a:schemeClr val="bg1"/>
                 </a:solidFill>
@@ -2636,18 +2624,17 @@
               <a:t>Sie http://creativecommons.org/licenses/by-sa/4.0/ oder </a:t>
             </a:r>
             <a:r>
-              <a:rPr lang="de-DE" b="0" dirty="0" smtClean="0"/>
+              <a:rPr lang="de-DE" b="0" dirty="0"/>
               <a:t>wenden Sie sich brieflich an Creative </a:t>
             </a:r>
             <a:r>
-              <a:rPr lang="de-DE" b="0" dirty="0" err="1" smtClean="0"/>
+              <a:rPr lang="de-DE" b="0" dirty="0" err="1"/>
               <a:t>Commons</a:t>
             </a:r>
             <a:r>
-              <a:rPr lang="de-DE" b="0" dirty="0" smtClean="0"/>
+              <a:rPr lang="de-DE" b="0" dirty="0"/>
               <a:t>, Postfach 1866, Mountain View, California, 94042, USA.</a:t>
             </a:r>
-            <a:endParaRPr lang="de-DE" b="0" dirty="0"/>
           </a:p>
         </p:txBody>
       </p:sp>
@@ -2806,38 +2793,37 @@
           <a:p>
             <a:pPr lvl="0"/>
             <a:r>
-              <a:rPr lang="de-DE" dirty="0" smtClean="0"/>
+              <a:rPr lang="de-DE" dirty="0"/>
               <a:t>Formatvorlagen des Textmasters bearbeiten</a:t>
             </a:r>
           </a:p>
           <a:p>
             <a:pPr lvl="1"/>
             <a:r>
-              <a:rPr lang="de-DE" dirty="0" smtClean="0"/>
+              <a:rPr lang="de-DE" dirty="0"/>
               <a:t>Zweite Ebene</a:t>
             </a:r>
           </a:p>
           <a:p>
             <a:pPr lvl="2"/>
             <a:r>
-              <a:rPr lang="de-DE" dirty="0" smtClean="0"/>
+              <a:rPr lang="de-DE" dirty="0"/>
               <a:t>Dritte Ebene</a:t>
             </a:r>
           </a:p>
           <a:p>
             <a:pPr lvl="3"/>
             <a:r>
-              <a:rPr lang="de-DE" dirty="0" smtClean="0"/>
+              <a:rPr lang="de-DE" dirty="0"/>
               <a:t>Vierte Ebene</a:t>
             </a:r>
           </a:p>
           <a:p>
             <a:pPr lvl="4"/>
             <a:r>
-              <a:rPr lang="de-DE" dirty="0" smtClean="0"/>
+              <a:rPr lang="de-DE" dirty="0"/>
               <a:t>Fünfte Ebene</a:t>
             </a:r>
-            <a:endParaRPr lang="de-DE" dirty="0"/>
           </a:p>
         </p:txBody>
       </p:sp>
@@ -2870,6 +2856,42 @@
           </a:prstGeom>
         </p:spPr>
       </p:pic>
+      <p:pic>
+        <p:nvPicPr>
+          <p:cNvPr id="15" name="Grafik 14">
+            <a:extLst>
+              <a:ext uri="{FF2B5EF4-FFF2-40B4-BE49-F238E27FC236}">
+                <a16:creationId xmlns:a16="http://schemas.microsoft.com/office/drawing/2014/main" id="{F88789E9-EAE6-4937-A061-8B794A1C5DE5}"/>
+              </a:ext>
+            </a:extLst>
+          </p:cNvPr>
+          <p:cNvPicPr>
+            <a:picLocks noChangeAspect="1"/>
+          </p:cNvPicPr>
+          <p:nvPr userDrawn="1"/>
+        </p:nvPicPr>
+        <p:blipFill>
+          <a:blip r:embed="rId7" cstate="print">
+            <a:extLst>
+              <a:ext uri="{28A0092B-C50C-407E-A947-70E740481C1C}">
+                <a14:useLocalDpi xmlns:a14="http://schemas.microsoft.com/office/drawing/2010/main" val="0"/>
+              </a:ext>
+            </a:extLst>
+          </a:blip>
+          <a:stretch>
+            <a:fillRect/>
+          </a:stretch>
+        </p:blipFill>
+        <p:spPr>
+          <a:xfrm>
+            <a:off x="2074069" y="9099550"/>
+            <a:ext cx="381000" cy="571500"/>
+          </a:xfrm>
+          <a:prstGeom prst="rect">
+            <a:avLst/>
+          </a:prstGeom>
+        </p:spPr>
+      </p:pic>
     </p:spTree>
     <p:extLst>
       <p:ext uri="{BB962C8B-B14F-4D97-AF65-F5344CB8AC3E}">
@@ -2880,13 +2902,6 @@
   <p:clrMapOvr>
     <a:masterClrMapping/>
   </p:clrMapOvr>
-  <p:timing>
-    <p:tnLst>
-      <p:par>
-        <p:cTn id="1" dur="indefinite" restart="never" nodeType="tmRoot"/>
-      </p:par>
-    </p:tnLst>
-  </p:timing>
 </p:sldLayout>
 </file>
 
@@ -2934,10 +2949,9 @@
           </a:lstStyle>
           <a:p>
             <a:r>
-              <a:rPr lang="de-DE" dirty="0" smtClean="0"/>
+              <a:rPr lang="de-DE" dirty="0"/>
               <a:t>Titelmasterformat durch Klicken bearbeiten</a:t>
             </a:r>
-            <a:endParaRPr lang="de-DE" dirty="0"/>
           </a:p>
         </p:txBody>
       </p:sp>
@@ -2958,7 +2972,7 @@
           <a:p>
             <a:fld id="{FC9269F9-6F79-4414-A84E-D81C6C443C37}" type="datetimeFigureOut">
               <a:rPr lang="de-DE" smtClean="0"/>
-              <a:t>09.01.2019</a:t>
+              <a:t>06.12.2019</a:t>
             </a:fld>
             <a:endParaRPr lang="de-DE"/>
           </a:p>
@@ -3035,7 +3049,7 @@
           <a:p>
             <a:pPr lvl="0"/>
             <a:r>
-              <a:rPr lang="de-DE" b="1" dirty="0" smtClean="0"/>
+              <a:rPr lang="de-DE" b="1" dirty="0"/>
               <a:t>Rubrik</a:t>
             </a:r>
             <a:endParaRPr lang="de-DE" dirty="0"/>
@@ -3094,10 +3108,9 @@
           <a:p>
             <a:pPr lvl="0"/>
             <a:r>
-              <a:rPr lang="de-DE" dirty="0" smtClean="0"/>
+              <a:rPr lang="de-DE" dirty="0"/>
               <a:t>Formatvorlagen des Textmasters bearbeiten</a:t>
             </a:r>
-            <a:endParaRPr lang="de-DE" dirty="0"/>
           </a:p>
         </p:txBody>
       </p:sp>
@@ -3129,10 +3142,9 @@
           <a:p>
             <a:pPr lvl="0"/>
             <a:r>
-              <a:rPr lang="de-DE" dirty="0" smtClean="0"/>
+              <a:rPr lang="de-DE" dirty="0"/>
               <a:t>Legende</a:t>
             </a:r>
-            <a:endParaRPr lang="de-DE" dirty="0"/>
           </a:p>
         </p:txBody>
       </p:sp>
@@ -3146,13 +3158,6 @@
   <p:clrMapOvr>
     <a:masterClrMapping/>
   </p:clrMapOvr>
-  <p:timing>
-    <p:tnLst>
-      <p:par>
-        <p:cTn id="1" dur="indefinite" restart="never" nodeType="tmRoot"/>
-      </p:par>
-    </p:tnLst>
-  </p:timing>
 </p:sldLayout>
 </file>
 
@@ -3190,7 +3195,7 @@
           <a:p>
             <a:fld id="{FC9269F9-6F79-4414-A84E-D81C6C443C37}" type="datetimeFigureOut">
               <a:rPr lang="de-DE" smtClean="0"/>
-              <a:t>09.01.2019</a:t>
+              <a:t>06.12.2019</a:t>
             </a:fld>
             <a:endParaRPr lang="de-DE"/>
           </a:p>
@@ -3248,13 +3253,6 @@
   <p:clrMapOvr>
     <a:masterClrMapping/>
   </p:clrMapOvr>
-  <p:timing>
-    <p:tnLst>
-      <p:par>
-        <p:cTn id="1" dur="indefinite" restart="never" nodeType="tmRoot"/>
-      </p:par>
-    </p:tnLst>
-  </p:timing>
 </p:sldLayout>
 </file>
 
@@ -3306,7 +3304,7 @@
           <a:lstStyle/>
           <a:p>
             <a:r>
-              <a:rPr lang="de-DE" smtClean="0"/>
+              <a:rPr lang="de-DE"/>
               <a:t>Titelmasterformat durch Klicken bearbeiten</a:t>
             </a:r>
             <a:endParaRPr lang="en-US" dirty="0"/>
@@ -3340,35 +3338,35 @@
           <a:p>
             <a:pPr lvl="0"/>
             <a:r>
-              <a:rPr lang="de-DE" smtClean="0"/>
+              <a:rPr lang="de-DE"/>
               <a:t>Formatvorlagen des Textmasters bearbeiten</a:t>
             </a:r>
           </a:p>
           <a:p>
             <a:pPr lvl="1"/>
             <a:r>
-              <a:rPr lang="de-DE" smtClean="0"/>
+              <a:rPr lang="de-DE"/>
               <a:t>Zweite Ebene</a:t>
             </a:r>
           </a:p>
           <a:p>
             <a:pPr lvl="2"/>
             <a:r>
-              <a:rPr lang="de-DE" smtClean="0"/>
+              <a:rPr lang="de-DE"/>
               <a:t>Dritte Ebene</a:t>
             </a:r>
           </a:p>
           <a:p>
             <a:pPr lvl="3"/>
             <a:r>
-              <a:rPr lang="de-DE" smtClean="0"/>
+              <a:rPr lang="de-DE"/>
               <a:t>Vierte Ebene</a:t>
             </a:r>
           </a:p>
           <a:p>
             <a:pPr lvl="4"/>
             <a:r>
-              <a:rPr lang="de-DE" smtClean="0"/>
+              <a:rPr lang="de-DE"/>
               <a:t>Fünfte Ebene</a:t>
             </a:r>
             <a:endParaRPr lang="en-US" dirty="0"/>
@@ -3410,7 +3408,7 @@
           <a:p>
             <a:fld id="{FC9269F9-6F79-4414-A84E-D81C6C443C37}" type="datetimeFigureOut">
               <a:rPr lang="de-DE" smtClean="0"/>
-              <a:t>09.01.2019</a:t>
+              <a:t>06.12.2019</a:t>
             </a:fld>
             <a:endParaRPr lang="de-DE"/>
           </a:p>
@@ -3513,13 +3511,6 @@
     <p:sldLayoutId id="2147483674" r:id="rId7"/>
     <p:sldLayoutId id="2147483676" r:id="rId8"/>
   </p:sldLayoutIdLst>
-  <p:timing>
-    <p:tnLst>
-      <p:par>
-        <p:cTn id="1" dur="indefinite" restart="never" nodeType="tmRoot"/>
-      </p:par>
-    </p:tnLst>
-  </p:timing>
   <p:txStyles>
     <p:titleStyle>
       <a:lvl1pPr algn="l" defTabSz="685800" rtl="0" eaLnBrk="1" latinLnBrk="0" hangingPunct="1">
@@ -3836,10 +3827,9 @@
           <a:lstStyle/>
           <a:p>
             <a:r>
-              <a:rPr lang="de-DE" dirty="0" smtClean="0"/>
+              <a:rPr lang="de-DE" dirty="0"/>
               <a:t>Ventilator</a:t>
             </a:r>
-            <a:endParaRPr lang="de-DE" dirty="0"/>
           </a:p>
         </p:txBody>
       </p:sp>
@@ -3862,15 +3852,7 @@
           <a:p>
             <a:r>
               <a:rPr lang="de-DE" dirty="0"/>
-              <a:t>Lasse den Ventilator abhängig von der Temperatur schneller bzw. </a:t>
-            </a:r>
-            <a:r>
-              <a:rPr lang="de-DE" dirty="0" smtClean="0"/>
-              <a:t>langsamer </a:t>
-            </a:r>
-            <a:r>
-              <a:rPr lang="de-DE" dirty="0"/>
-              <a:t>drehen.</a:t>
+              <a:t>Lasse den Ventilator abhängig von der Temperatur schneller bzw. langsamer drehen.</a:t>
             </a:r>
           </a:p>
         </p:txBody>
@@ -3988,13 +3970,6 @@
   <p:clrMapOvr>
     <a:masterClrMapping/>
   </p:clrMapOvr>
-  <p:timing>
-    <p:tnLst>
-      <p:par>
-        <p:cTn id="1" dur="indefinite" restart="never" nodeType="tmRoot"/>
-      </p:par>
-    </p:tnLst>
-  </p:timing>
 </p:sld>
 </file>
 

--- a/Ventilator/Ventilator.pptx
+++ b/Ventilator/Ventilator.pptx
@@ -201,7 +201,7 @@
           <a:p>
             <a:fld id="{DD7A25D8-F173-4133-85F8-CB962D678EB5}" type="datetimeFigureOut">
               <a:rPr lang="de-DE" smtClean="0"/>
-              <a:t>06.12.2019</a:t>
+              <a:t>09.12.2019</a:t>
             </a:fld>
             <a:endParaRPr lang="de-DE"/>
           </a:p>
@@ -599,7 +599,7 @@
           <a:p>
             <a:fld id="{FC9269F9-6F79-4414-A84E-D81C6C443C37}" type="datetimeFigureOut">
               <a:rPr lang="de-DE" smtClean="0"/>
-              <a:t>06.12.2019</a:t>
+              <a:t>09.12.2019</a:t>
             </a:fld>
             <a:endParaRPr lang="de-DE"/>
           </a:p>
@@ -1713,7 +1713,7 @@
           <a:p>
             <a:fld id="{FC9269F9-6F79-4414-A84E-D81C6C443C37}" type="datetimeFigureOut">
               <a:rPr lang="de-DE" smtClean="0"/>
-              <a:t>06.12.2019</a:t>
+              <a:t>09.12.2019</a:t>
             </a:fld>
             <a:endParaRPr lang="de-DE"/>
           </a:p>
@@ -2038,39 +2038,6 @@
           <a:lstStyle/>
           <a:p>
             <a:endParaRPr lang="de-DE"/>
-          </a:p>
-        </p:txBody>
-      </p:sp>
-      <p:sp>
-        <p:nvSpPr>
-          <p:cNvPr id="15" name="Textfeld 14"/>
-          <p:cNvSpPr txBox="1"/>
-          <p:nvPr userDrawn="1"/>
-        </p:nvSpPr>
-        <p:spPr>
-          <a:xfrm>
-            <a:off x="2033534" y="9314293"/>
-            <a:ext cx="2449033" cy="261610"/>
-          </a:xfrm>
-          <a:prstGeom prst="rect">
-            <a:avLst/>
-          </a:prstGeom>
-          <a:noFill/>
-        </p:spPr>
-        <p:txBody>
-          <a:bodyPr wrap="square" rtlCol="0">
-            <a:spAutoFit/>
-          </a:bodyPr>
-          <a:lstStyle/>
-          <a:p>
-            <a:pPr algn="ctr"/>
-            <a:r>
-              <a:rPr lang="de-DE" sz="1100" dirty="0">
-                <a:hlinkClick r:id="rId2"/>
-              </a:rPr>
-              <a:t>https://www.htw-dresden.de/kiss-mint</a:t>
-            </a:r>
-            <a:endParaRPr lang="de-DE" sz="1100" dirty="0"/>
           </a:p>
         </p:txBody>
       </p:sp>
@@ -2154,7 +2121,7 @@
           <a:p>
             <a:fld id="{FC9269F9-6F79-4414-A84E-D81C6C443C37}" type="datetimeFigureOut">
               <a:rPr lang="de-DE" smtClean="0"/>
-              <a:t>06.12.2019</a:t>
+              <a:t>09.12.2019</a:t>
             </a:fld>
             <a:endParaRPr lang="de-DE"/>
           </a:p>
@@ -2972,7 +2939,7 @@
           <a:p>
             <a:fld id="{FC9269F9-6F79-4414-A84E-D81C6C443C37}" type="datetimeFigureOut">
               <a:rPr lang="de-DE" smtClean="0"/>
-              <a:t>06.12.2019</a:t>
+              <a:t>09.12.2019</a:t>
             </a:fld>
             <a:endParaRPr lang="de-DE"/>
           </a:p>
@@ -3195,7 +3162,7 @@
           <a:p>
             <a:fld id="{FC9269F9-6F79-4414-A84E-D81C6C443C37}" type="datetimeFigureOut">
               <a:rPr lang="de-DE" smtClean="0"/>
-              <a:t>06.12.2019</a:t>
+              <a:t>09.12.2019</a:t>
             </a:fld>
             <a:endParaRPr lang="de-DE"/>
           </a:p>
@@ -3408,7 +3375,7 @@
           <a:p>
             <a:fld id="{FC9269F9-6F79-4414-A84E-D81C6C443C37}" type="datetimeFigureOut">
               <a:rPr lang="de-DE" smtClean="0"/>
-              <a:t>06.12.2019</a:t>
+              <a:t>09.12.2019</a:t>
             </a:fld>
             <a:endParaRPr lang="de-DE"/>
           </a:p>
@@ -3493,6 +3460,149 @@
           </a:p>
         </p:txBody>
       </p:sp>
+      <p:pic>
+        <p:nvPicPr>
+          <p:cNvPr id="7" name="Grafik 6">
+            <a:extLst>
+              <a:ext uri="{FF2B5EF4-FFF2-40B4-BE49-F238E27FC236}">
+                <a16:creationId xmlns:a16="http://schemas.microsoft.com/office/drawing/2014/main" id="{B2F5A234-792F-4CFC-9DE9-E5E05860447C}"/>
+              </a:ext>
+            </a:extLst>
+          </p:cNvPr>
+          <p:cNvPicPr>
+            <a:picLocks noChangeAspect="1"/>
+          </p:cNvPicPr>
+          <p:nvPr userDrawn="1"/>
+        </p:nvPicPr>
+        <p:blipFill>
+          <a:blip r:embed="rId10" cstate="print">
+            <a:extLst>
+              <a:ext uri="{28A0092B-C50C-407E-A947-70E740481C1C}">
+                <a14:useLocalDpi xmlns:a14="http://schemas.microsoft.com/office/drawing/2010/main" val="0"/>
+              </a:ext>
+            </a:extLst>
+          </a:blip>
+          <a:stretch>
+            <a:fillRect/>
+          </a:stretch>
+        </p:blipFill>
+        <p:spPr>
+          <a:xfrm>
+            <a:off x="4501564" y="9267750"/>
+            <a:ext cx="1884949" cy="324000"/>
+          </a:xfrm>
+          <a:prstGeom prst="rect">
+            <a:avLst/>
+          </a:prstGeom>
+        </p:spPr>
+      </p:pic>
+      <p:pic>
+        <p:nvPicPr>
+          <p:cNvPr id="8" name="Grafik 7">
+            <a:extLst>
+              <a:ext uri="{FF2B5EF4-FFF2-40B4-BE49-F238E27FC236}">
+                <a16:creationId xmlns:a16="http://schemas.microsoft.com/office/drawing/2014/main" id="{712DE1AB-A0F6-4631-8A89-2859CC8F1C9D}"/>
+              </a:ext>
+            </a:extLst>
+          </p:cNvPr>
+          <p:cNvPicPr>
+            <a:picLocks noChangeAspect="1"/>
+          </p:cNvPicPr>
+          <p:nvPr userDrawn="1"/>
+        </p:nvPicPr>
+        <p:blipFill rotWithShape="1">
+          <a:blip r:embed="rId11" cstate="print">
+            <a:extLst>
+              <a:ext uri="{28A0092B-C50C-407E-A947-70E740481C1C}">
+                <a14:useLocalDpi xmlns:a14="http://schemas.microsoft.com/office/drawing/2010/main" val="0"/>
+              </a:ext>
+            </a:extLst>
+          </a:blip>
+          <a:srcRect t="15984" b="15885"/>
+          <a:stretch/>
+        </p:blipFill>
+        <p:spPr>
+          <a:xfrm>
+            <a:off x="471488" y="9224307"/>
+            <a:ext cx="1604044" cy="453441"/>
+          </a:xfrm>
+          <a:prstGeom prst="rect">
+            <a:avLst/>
+          </a:prstGeom>
+        </p:spPr>
+      </p:pic>
+      <p:pic>
+        <p:nvPicPr>
+          <p:cNvPr id="9" name="Grafik 8">
+            <a:extLst>
+              <a:ext uri="{FF2B5EF4-FFF2-40B4-BE49-F238E27FC236}">
+                <a16:creationId xmlns:a16="http://schemas.microsoft.com/office/drawing/2014/main" id="{F9AC6781-2E86-473F-9F64-3B802724F881}"/>
+              </a:ext>
+            </a:extLst>
+          </p:cNvPr>
+          <p:cNvPicPr>
+            <a:picLocks noChangeAspect="1"/>
+          </p:cNvPicPr>
+          <p:nvPr userDrawn="1"/>
+        </p:nvPicPr>
+        <p:blipFill>
+          <a:blip r:embed="rId12" cstate="print">
+            <a:extLst>
+              <a:ext uri="{28A0092B-C50C-407E-A947-70E740481C1C}">
+                <a14:useLocalDpi xmlns:a14="http://schemas.microsoft.com/office/drawing/2010/main" val="0"/>
+              </a:ext>
+            </a:extLst>
+          </a:blip>
+          <a:stretch>
+            <a:fillRect/>
+          </a:stretch>
+        </p:blipFill>
+        <p:spPr>
+          <a:xfrm>
+            <a:off x="2074069" y="9099550"/>
+            <a:ext cx="381000" cy="571500"/>
+          </a:xfrm>
+          <a:prstGeom prst="rect">
+            <a:avLst/>
+          </a:prstGeom>
+        </p:spPr>
+      </p:pic>
+      <p:pic>
+        <p:nvPicPr>
+          <p:cNvPr id="10" name="Grafik 9">
+            <a:extLst>
+              <a:ext uri="{FF2B5EF4-FFF2-40B4-BE49-F238E27FC236}">
+                <a16:creationId xmlns:a16="http://schemas.microsoft.com/office/drawing/2014/main" id="{E8A81E03-2DE3-4811-90F6-9E3A8FBBA97C}"/>
+              </a:ext>
+            </a:extLst>
+          </p:cNvPr>
+          <p:cNvPicPr>
+            <a:picLocks noChangeAspect="1"/>
+          </p:cNvPicPr>
+          <p:nvPr userDrawn="1"/>
+        </p:nvPicPr>
+        <p:blipFill>
+          <a:blip r:embed="rId13" cstate="print">
+            <a:extLst>
+              <a:ext uri="{28A0092B-C50C-407E-A947-70E740481C1C}">
+                <a14:useLocalDpi xmlns:a14="http://schemas.microsoft.com/office/drawing/2010/main" val="0"/>
+              </a:ext>
+            </a:extLst>
+          </a:blip>
+          <a:stretch>
+            <a:fillRect/>
+          </a:stretch>
+        </p:blipFill>
+        <p:spPr>
+          <a:xfrm>
+            <a:off x="3590172" y="8960427"/>
+            <a:ext cx="911392" cy="911392"/>
+          </a:xfrm>
+          <a:prstGeom prst="rect">
+            <a:avLst/>
+          </a:prstGeom>
+        </p:spPr>
+      </p:pic>
     </p:spTree>
     <p:extLst>
       <p:ext uri="{BB962C8B-B14F-4D97-AF65-F5344CB8AC3E}">
